--- a/TolColors.pptx
+++ b/TolColors.pptx
@@ -10245,60 +10245,6 @@
       </p:pic>
       <p:sp>
         <p:nvSpPr>
-          <p:cNvPr id="7" name="Rectangle 6">
-            <a:extLst>
-              <a:ext uri="{FF2B5EF4-FFF2-40B4-BE49-F238E27FC236}">
-                <a16:creationId xmlns:a16="http://schemas.microsoft.com/office/drawing/2014/main" id="{EB728EAC-42F2-F94F-A1F4-F6B01BC98638}"/>
-              </a:ext>
-            </a:extLst>
-          </p:cNvPr>
-          <p:cNvSpPr/>
-          <p:nvPr/>
-        </p:nvSpPr>
-        <p:spPr>
-          <a:xfrm>
-            <a:off x="6663209" y="2968244"/>
-            <a:ext cx="471488" cy="257175"/>
-          </a:xfrm>
-          <a:prstGeom prst="rect">
-            <a:avLst/>
-          </a:prstGeom>
-          <a:solidFill>
-            <a:schemeClr val="accent4">
-              <a:alpha val="42000"/>
-            </a:schemeClr>
-          </a:solidFill>
-          <a:ln>
-            <a:noFill/>
-          </a:ln>
-        </p:spPr>
-        <p:style>
-          <a:lnRef idx="2">
-            <a:schemeClr val="accent4">
-              <a:shade val="50000"/>
-            </a:schemeClr>
-          </a:lnRef>
-          <a:fillRef idx="1">
-            <a:schemeClr val="accent4"/>
-          </a:fillRef>
-          <a:effectRef idx="0">
-            <a:schemeClr val="accent4"/>
-          </a:effectRef>
-          <a:fontRef idx="minor">
-            <a:schemeClr val="lt1"/>
-          </a:fontRef>
-        </p:style>
-        <p:txBody>
-          <a:bodyPr rtlCol="0" anchor="ctr"/>
-          <a:lstStyle/>
-          <a:p>
-            <a:pPr algn="ctr"/>
-            <a:endParaRPr lang="en-US"/>
-          </a:p>
-        </p:txBody>
-      </p:sp>
-      <p:sp>
-        <p:nvSpPr>
           <p:cNvPr id="8" name="Rectangle 7">
             <a:extLst>
               <a:ext uri="{FF2B5EF4-FFF2-40B4-BE49-F238E27FC236}">
@@ -10690,33 +10636,6 @@
                                           </p:stCondLst>
                                         </p:cTn>
                                         <p:tgtEl>
-                                          <p:spTgt spid="7"/>
-                                        </p:tgtEl>
-                                        <p:attrNameLst>
-                                          <p:attrName>style.visibility</p:attrName>
-                                        </p:attrNameLst>
-                                      </p:cBhvr>
-                                      <p:to>
-                                        <p:strVal val="visible"/>
-                                      </p:to>
-                                    </p:set>
-                                  </p:childTnLst>
-                                </p:cTn>
-                              </p:par>
-                              <p:par>
-                                <p:cTn id="15" presetID="1" presetClass="entr" presetSubtype="0" fill="hold" grpId="0" nodeType="withEffect">
-                                  <p:stCondLst>
-                                    <p:cond delay="0"/>
-                                  </p:stCondLst>
-                                  <p:childTnLst>
-                                    <p:set>
-                                      <p:cBhvr>
-                                        <p:cTn id="16" dur="1" fill="hold">
-                                          <p:stCondLst>
-                                            <p:cond delay="0"/>
-                                          </p:stCondLst>
-                                        </p:cTn>
-                                        <p:tgtEl>
                                           <p:spTgt spid="8"/>
                                         </p:tgtEl>
                                         <p:attrNameLst>
@@ -10737,26 +10656,26 @@
                     </p:cTn>
                   </p:par>
                   <p:par>
-                    <p:cTn id="17" fill="hold">
+                    <p:cTn id="15" fill="hold">
                       <p:stCondLst>
                         <p:cond delay="indefinite"/>
                       </p:stCondLst>
                       <p:childTnLst>
                         <p:par>
-                          <p:cTn id="18" fill="hold">
+                          <p:cTn id="16" fill="hold">
                             <p:stCondLst>
                               <p:cond delay="0"/>
                             </p:stCondLst>
                             <p:childTnLst>
                               <p:par>
-                                <p:cTn id="19" presetID="1" presetClass="entr" presetSubtype="0" fill="hold" grpId="0" nodeType="clickEffect">
+                                <p:cTn id="17" presetID="1" presetClass="entr" presetSubtype="0" fill="hold" grpId="0" nodeType="clickEffect">
                                   <p:stCondLst>
                                     <p:cond delay="0"/>
                                   </p:stCondLst>
                                   <p:childTnLst>
                                     <p:set>
                                       <p:cBhvr>
-                                        <p:cTn id="20" dur="1" fill="hold">
+                                        <p:cTn id="18" dur="1" fill="hold">
                                           <p:stCondLst>
                                             <p:cond delay="0"/>
                                           </p:stCondLst>
@@ -10803,7 +10722,6 @@
       </p:par>
     </p:tnLst>
     <p:bldLst>
-      <p:bldP spid="7" grpId="0" animBg="1"/>
       <p:bldP spid="8" grpId="0" animBg="1"/>
       <p:bldP spid="9" grpId="0"/>
     </p:bldLst>
